--- a/Lectures/Modern CPU Architecture and Concurrency/Modern CPU Architecture and Concurrency.pptx
+++ b/Lectures/Modern CPU Architecture and Concurrency/Modern CPU Architecture and Concurrency.pptx
@@ -6,7 +6,7 @@
     <p:sldMasterId id="2147483672" r:id="rId2"/>
   </p:sldMasterIdLst>
   <p:notesMasterIdLst>
-    <p:notesMasterId r:id="rId19"/>
+    <p:notesMasterId r:id="rId20"/>
   </p:notesMasterIdLst>
   <p:sldIdLst>
     <p:sldId id="256" r:id="rId3"/>
@@ -25,6 +25,7 @@
     <p:sldId id="269" r:id="rId16"/>
     <p:sldId id="270" r:id="rId17"/>
     <p:sldId id="271" r:id="rId18"/>
+    <p:sldId id="272" r:id="rId19"/>
   </p:sldIdLst>
   <p:sldSz cx="9144000" cy="6858000" type="screen4x3"/>
   <p:notesSz cx="6858000" cy="9144000"/>
@@ -208,7 +209,7 @@
           <a:p>
             <a:fld id="{A6160CEF-691C-40C1-A74F-29494EA36E70}" type="datetimeFigureOut">
               <a:rPr lang="en-US" smtClean="0"/>
-              <a:t>10/11/2013</a:t>
+              <a:t>1/17/2014</a:t>
             </a:fld>
             <a:endParaRPr lang="en-US"/>
           </a:p>
@@ -753,7 +754,7 @@
           <a:p>
             <a:fld id="{D9AD39AE-8A02-4D98-BDFB-84BA1E0BBA71}" type="datetime1">
               <a:rPr lang="en-US" smtClean="0"/>
-              <a:t>10/11/2013</a:t>
+              <a:t>1/17/2014</a:t>
             </a:fld>
             <a:endParaRPr lang="en-US"/>
           </a:p>
@@ -1018,7 +1019,7 @@
           <a:p>
             <a:fld id="{DEA32F1F-347B-4314-A623-71C796F62473}" type="datetime1">
               <a:rPr lang="en-US" smtClean="0"/>
-              <a:t>10/11/2013</a:t>
+              <a:t>1/17/2014</a:t>
             </a:fld>
             <a:endParaRPr lang="en-US"/>
           </a:p>
@@ -1193,7 +1194,7 @@
           <a:p>
             <a:fld id="{CED0CBF6-62F2-473E-81D6-BD70CDB1F5FE}" type="datetime1">
               <a:rPr lang="en-US" smtClean="0"/>
-              <a:t>10/11/2013</a:t>
+              <a:t>1/17/2014</a:t>
             </a:fld>
             <a:endParaRPr lang="en-US"/>
           </a:p>
@@ -1358,7 +1359,7 @@
                 </a:solidFill>
               </a:rPr>
               <a:pPr defTabSz="457200"/>
-              <a:t>10/11/2013</a:t>
+              <a:t>1/17/2014</a:t>
             </a:fld>
             <a:endParaRPr lang="en-US">
               <a:solidFill>
@@ -1571,7 +1572,7 @@
           <a:p>
             <a:fld id="{11F728FA-6934-4E53-BF96-4FAEF971F360}" type="datetime1">
               <a:rPr lang="en-US" smtClean="0"/>
-              <a:t>10/11/2013</a:t>
+              <a:t>1/17/2014</a:t>
             </a:fld>
             <a:endParaRPr lang="en-US"/>
           </a:p>
@@ -1820,7 +1821,7 @@
           <a:p>
             <a:fld id="{054140EB-D883-4FF4-9FD3-40795E03162B}" type="datetime1">
               <a:rPr lang="en-US" smtClean="0"/>
-              <a:t>10/11/2013</a:t>
+              <a:t>1/17/2014</a:t>
             </a:fld>
             <a:endParaRPr lang="en-US"/>
           </a:p>
@@ -2103,7 +2104,7 @@
           <a:p>
             <a:fld id="{5322DFD6-2B22-4759-896D-1B90EFBC84B2}" type="datetime1">
               <a:rPr lang="en-US" smtClean="0"/>
-              <a:t>10/11/2013</a:t>
+              <a:t>1/17/2014</a:t>
             </a:fld>
             <a:endParaRPr lang="en-US"/>
           </a:p>
@@ -2542,7 +2543,7 @@
           <a:p>
             <a:fld id="{2CEC5C93-4DDB-4E80-BC1B-200B30BD1EF0}" type="datetime1">
               <a:rPr lang="en-US" smtClean="0"/>
-              <a:t>10/11/2013</a:t>
+              <a:t>1/17/2014</a:t>
             </a:fld>
             <a:endParaRPr lang="en-US"/>
           </a:p>
@@ -2655,7 +2656,7 @@
           <a:p>
             <a:fld id="{DF12974D-9758-4FDA-B9CC-0F787420A992}" type="datetime1">
               <a:rPr lang="en-US" smtClean="0"/>
-              <a:t>10/11/2013</a:t>
+              <a:t>1/17/2014</a:t>
             </a:fld>
             <a:endParaRPr lang="en-US"/>
           </a:p>
@@ -2745,7 +2746,7 @@
           <a:p>
             <a:fld id="{987F558A-7D48-4C14-A790-F73676108F87}" type="datetime1">
               <a:rPr lang="en-US" smtClean="0"/>
-              <a:t>10/11/2013</a:t>
+              <a:t>1/17/2014</a:t>
             </a:fld>
             <a:endParaRPr lang="en-US"/>
           </a:p>
@@ -2987,7 +2988,7 @@
           <a:p>
             <a:fld id="{95585E0F-09CF-4CBE-95D5-366661874F32}" type="datetime1">
               <a:rPr lang="en-US" smtClean="0"/>
-              <a:t>10/11/2013</a:t>
+              <a:t>1/17/2014</a:t>
             </a:fld>
             <a:endParaRPr lang="en-US"/>
           </a:p>
@@ -3281,7 +3282,7 @@
           <a:p>
             <a:fld id="{36D3208C-F1A7-43B0-80DE-1D4C5AFEA62C}" type="datetime1">
               <a:rPr lang="en-US" smtClean="0"/>
-              <a:t>10/11/2013</a:t>
+              <a:t>1/17/2014</a:t>
             </a:fld>
             <a:endParaRPr lang="en-US"/>
           </a:p>
@@ -3575,7 +3576,7 @@
           <a:p>
             <a:fld id="{5C274EEF-301B-4A58-B29B-19DC1DCFE46B}" type="datetime1">
               <a:rPr lang="en-US" smtClean="0"/>
-              <a:t>10/11/2013</a:t>
+              <a:t>1/17/2014</a:t>
             </a:fld>
             <a:endParaRPr lang="en-US"/>
           </a:p>
@@ -5558,7 +5559,15 @@
             <a:pPr marL="800100" lvl="1" indent="-342900"/>
             <a:r>
               <a:rPr lang="en-US" dirty="0" smtClean="0"/>
-              <a:t>All of the time-test software development skills</a:t>
+              <a:t>All of the </a:t>
+            </a:r>
+            <a:r>
+              <a:rPr lang="en-US" dirty="0" smtClean="0"/>
+              <a:t>time-tested </a:t>
+            </a:r>
+            <a:r>
+              <a:rPr lang="en-US" dirty="0" smtClean="0"/>
+              <a:t>software development skills</a:t>
             </a:r>
           </a:p>
           <a:p>
@@ -5715,170 +5724,88 @@
         <p:spPr/>
         <p:txBody>
           <a:bodyPr>
-            <a:normAutofit fontScale="70000" lnSpcReduction="20000"/>
+            <a:normAutofit fontScale="62500" lnSpcReduction="20000"/>
           </a:bodyPr>
           <a:lstStyle/>
           <a:p>
             <a:r>
-              <a:rPr lang="en-US" dirty="0"/>
+              <a:rPr lang="en-US" sz="4300" dirty="0"/>
               <a:t>Day 1 - Introduction and basics</a:t>
             </a:r>
           </a:p>
           <a:p>
             <a:pPr lvl="1"/>
             <a:r>
-              <a:rPr lang="en-US" dirty="0"/>
+              <a:rPr lang="en-US" sz="4300" dirty="0"/>
               <a:t>Modern CPU architecture and concurrency</a:t>
             </a:r>
           </a:p>
           <a:p>
             <a:pPr lvl="1"/>
             <a:r>
-              <a:rPr lang="en-US" dirty="0"/>
+              <a:rPr lang="en-US" sz="4300" dirty="0"/>
               <a:t>Introduction to </a:t>
             </a:r>
             <a:r>
-              <a:rPr lang="en-US" dirty="0" err="1"/>
+              <a:rPr lang="en-US" sz="4300" dirty="0" err="1"/>
               <a:t>Git</a:t>
             </a:r>
-            <a:endParaRPr lang="en-US" dirty="0"/>
+            <a:endParaRPr lang="en-US" sz="4300" dirty="0"/>
           </a:p>
           <a:p>
             <a:pPr lvl="1"/>
             <a:r>
-              <a:rPr lang="en-US" dirty="0"/>
+              <a:rPr lang="en-US" sz="4300" dirty="0"/>
               <a:t>Test Driven Design</a:t>
             </a:r>
           </a:p>
           <a:p>
             <a:pPr lvl="1"/>
             <a:r>
-              <a:rPr lang="en-US" dirty="0" err="1"/>
+              <a:rPr lang="en-US" sz="4300" dirty="0" err="1"/>
               <a:t>Dennard</a:t>
             </a:r>
             <a:r>
-              <a:rPr lang="en-US" dirty="0"/>
+              <a:rPr lang="en-US" sz="4300" dirty="0"/>
               <a:t> </a:t>
             </a:r>
             <a:r>
-              <a:rPr lang="en-US" dirty="0" smtClean="0"/>
+              <a:rPr lang="en-US" sz="4300" dirty="0" smtClean="0"/>
               <a:t>Scaling</a:t>
             </a:r>
-            <a:endParaRPr lang="en-US" dirty="0"/>
-          </a:p>
-          <a:p>
-            <a:r>
-              <a:rPr lang="en-US" dirty="0"/>
+            <a:endParaRPr lang="en-US" sz="4300" dirty="0"/>
+          </a:p>
+          <a:p>
+            <a:r>
+              <a:rPr lang="en-US" sz="4300" dirty="0"/>
               <a:t>Day 2 - Basic tools for concurrency</a:t>
             </a:r>
           </a:p>
           <a:p>
             <a:pPr lvl="1"/>
             <a:r>
-              <a:rPr lang="en-US" dirty="0"/>
+              <a:rPr lang="en-US" sz="4300" dirty="0"/>
               <a:t>Threads</a:t>
             </a:r>
           </a:p>
           <a:p>
             <a:pPr lvl="1"/>
             <a:r>
-              <a:rPr lang="en-US" dirty="0" err="1"/>
+              <a:rPr lang="en-US" sz="4300" dirty="0" smtClean="0"/>
               <a:t>Mutexes</a:t>
             </a:r>
-            <a:r>
-              <a:rPr lang="en-US" dirty="0"/>
-              <a:t> and </a:t>
-            </a:r>
-            <a:r>
-              <a:rPr lang="en-US" dirty="0" smtClean="0"/>
-              <a:t>asynchronous </a:t>
-            </a:r>
-            <a:r>
-              <a:rPr lang="en-US" dirty="0"/>
-              <a:t>operations</a:t>
-            </a:r>
-          </a:p>
-          <a:p>
-            <a:r>
-              <a:rPr lang="en-US" dirty="0"/>
-              <a:t>Day 3 - More </a:t>
-            </a:r>
-            <a:r>
-              <a:rPr lang="en-US" dirty="0" smtClean="0"/>
-              <a:t>tools </a:t>
-            </a:r>
-            <a:r>
-              <a:rPr lang="en-US" dirty="0"/>
-              <a:t>and Case studies</a:t>
-            </a:r>
           </a:p>
           <a:p>
             <a:pPr lvl="1"/>
             <a:r>
-              <a:rPr lang="en-US" dirty="0"/>
-              <a:t>Atomics and the C++ memory model</a:t>
-            </a:r>
-          </a:p>
-          <a:p>
-            <a:pPr lvl="1"/>
-            <a:r>
-              <a:rPr lang="en-US" dirty="0"/>
-              <a:t>When memory is not synchronized</a:t>
-            </a:r>
-          </a:p>
-          <a:p>
-            <a:pPr lvl="1"/>
-            <a:r>
-              <a:rPr lang="en-US" dirty="0"/>
-              <a:t>Creating a responsive GUI</a:t>
-            </a:r>
-          </a:p>
-          <a:p>
-            <a:r>
-              <a:rPr lang="en-US" dirty="0" smtClean="0"/>
-              <a:t>Day 4 - Techniques for concurrent software design</a:t>
-            </a:r>
-          </a:p>
-          <a:p>
-            <a:pPr lvl="1"/>
-            <a:r>
-              <a:rPr lang="en-US" dirty="0" smtClean="0"/>
-              <a:t>Improving </a:t>
-            </a:r>
-            <a:r>
-              <a:rPr lang="en-US" dirty="0"/>
-              <a:t>performance and scalability</a:t>
-            </a:r>
-          </a:p>
-          <a:p>
-            <a:pPr lvl="1"/>
-            <a:r>
-              <a:rPr lang="en-US" dirty="0"/>
-              <a:t>Task-based concurrency</a:t>
-            </a:r>
-          </a:p>
-          <a:p>
-            <a:r>
-              <a:rPr lang="en-US" dirty="0"/>
-              <a:t>Day 5 - Distributed memory parallel concurrency</a:t>
-            </a:r>
-          </a:p>
-          <a:p>
-            <a:pPr lvl="1"/>
-            <a:r>
-              <a:rPr lang="en-US" dirty="0"/>
-              <a:t>Introduction to MPI</a:t>
-            </a:r>
-          </a:p>
-          <a:p>
-            <a:pPr lvl="1"/>
-            <a:r>
-              <a:rPr lang="en-US" dirty="0"/>
-              <a:t>Hybrid parallelism</a:t>
-            </a:r>
-          </a:p>
-          <a:p>
-            <a:endParaRPr lang="en-US" dirty="0"/>
+              <a:rPr lang="en-US" sz="4300" dirty="0"/>
+              <a:t>A</a:t>
+            </a:r>
+            <a:r>
+              <a:rPr lang="en-US" sz="4300" dirty="0" smtClean="0"/>
+              <a:t>synchronous operations</a:t>
+            </a:r>
+            <a:endParaRPr lang="en-US" sz="4300" dirty="0"/>
           </a:p>
         </p:txBody>
       </p:sp>
@@ -5900,6 +5827,235 @@
             <a:fld id="{6DA12B36-9664-4CB0-8B2E-F4A2F44AE97E}" type="slidenum">
               <a:rPr lang="en-US" smtClean="0"/>
               <a:t>16</a:t>
+            </a:fld>
+            <a:endParaRPr lang="en-US"/>
+          </a:p>
+        </p:txBody>
+      </p:sp>
+    </p:spTree>
+    <p:extLst>
+      <p:ext uri="{BB962C8B-B14F-4D97-AF65-F5344CB8AC3E}">
+        <p14:creationId xmlns:p14="http://schemas.microsoft.com/office/powerpoint/2010/main" val="2599687741"/>
+      </p:ext>
+    </p:extLst>
+  </p:cSld>
+  <p:clrMapOvr>
+    <a:masterClrMapping/>
+  </p:clrMapOvr>
+  <p:timing>
+    <p:tnLst>
+      <p:par>
+        <p:cTn id="1" dur="indefinite" restart="never" nodeType="tmRoot"/>
+      </p:par>
+    </p:tnLst>
+  </p:timing>
+</p:sld>
+</file>
+
+<file path=ppt/slides/slide17.xml><?xml version="1.0" encoding="utf-8"?>
+<p:sld xmlns:a="http://schemas.openxmlformats.org/drawingml/2006/main" xmlns:r="http://schemas.openxmlformats.org/officeDocument/2006/relationships" xmlns:p="http://schemas.openxmlformats.org/presentationml/2006/main">
+  <p:cSld>
+    <p:spTree>
+      <p:nvGrpSpPr>
+        <p:cNvPr id="1" name=""/>
+        <p:cNvGrpSpPr/>
+        <p:nvPr/>
+      </p:nvGrpSpPr>
+      <p:grpSpPr>
+        <a:xfrm>
+          <a:off x="0" y="0"/>
+          <a:ext cx="0" cy="0"/>
+          <a:chOff x="0" y="0"/>
+          <a:chExt cx="0" cy="0"/>
+        </a:xfrm>
+      </p:grpSpPr>
+      <p:sp>
+        <p:nvSpPr>
+          <p:cNvPr id="2" name="Title 1"/>
+          <p:cNvSpPr>
+            <a:spLocks noGrp="1"/>
+          </p:cNvSpPr>
+          <p:nvPr>
+            <p:ph type="title"/>
+          </p:nvPr>
+        </p:nvSpPr>
+        <p:spPr/>
+        <p:txBody>
+          <a:bodyPr/>
+          <a:lstStyle/>
+          <a:p>
+            <a:r>
+              <a:rPr lang="en-US" dirty="0" smtClean="0"/>
+              <a:t>Course </a:t>
+            </a:r>
+            <a:r>
+              <a:rPr lang="en-US" dirty="0" smtClean="0"/>
+              <a:t>Outline (2)</a:t>
+            </a:r>
+            <a:endParaRPr lang="en-US" dirty="0"/>
+          </a:p>
+        </p:txBody>
+      </p:sp>
+      <p:sp>
+        <p:nvSpPr>
+          <p:cNvPr id="3" name="Content Placeholder 2"/>
+          <p:cNvSpPr>
+            <a:spLocks noGrp="1"/>
+          </p:cNvSpPr>
+          <p:nvPr>
+            <p:ph idx="1"/>
+          </p:nvPr>
+        </p:nvSpPr>
+        <p:spPr/>
+        <p:txBody>
+          <a:bodyPr>
+            <a:normAutofit fontScale="55000" lnSpcReduction="20000"/>
+          </a:bodyPr>
+          <a:lstStyle/>
+          <a:p>
+            <a:r>
+              <a:rPr lang="en-US" sz="4300" dirty="0"/>
+              <a:t>Day 3 - More tools and </a:t>
+            </a:r>
+            <a:r>
+              <a:rPr lang="en-US" sz="4300" dirty="0" smtClean="0"/>
+              <a:t>techniques</a:t>
+            </a:r>
+            <a:endParaRPr lang="en-US" sz="4300" dirty="0" smtClean="0"/>
+          </a:p>
+          <a:p>
+            <a:pPr lvl="1"/>
+            <a:r>
+              <a:rPr lang="en-US" sz="4300" dirty="0" smtClean="0"/>
+              <a:t>Atomics </a:t>
+            </a:r>
+            <a:r>
+              <a:rPr lang="en-US" sz="4300" dirty="0"/>
+              <a:t>and the C++ memory model</a:t>
+            </a:r>
+          </a:p>
+          <a:p>
+            <a:pPr lvl="1"/>
+            <a:r>
+              <a:rPr lang="en-US" sz="4300" dirty="0"/>
+              <a:t>Designing concurrent </a:t>
+            </a:r>
+            <a:r>
+              <a:rPr lang="en-US" sz="4300" dirty="0" smtClean="0"/>
+              <a:t>software</a:t>
+            </a:r>
+          </a:p>
+          <a:p>
+            <a:pPr lvl="1"/>
+            <a:r>
+              <a:rPr lang="en-US" sz="4300" dirty="0"/>
+              <a:t>Task-based </a:t>
+            </a:r>
+            <a:r>
+              <a:rPr lang="en-US" sz="4300" dirty="0" smtClean="0"/>
+              <a:t>concurrency</a:t>
+            </a:r>
+          </a:p>
+          <a:p>
+            <a:r>
+              <a:rPr lang="en-US" sz="4300" dirty="0" smtClean="0"/>
+              <a:t>Day </a:t>
+            </a:r>
+            <a:r>
+              <a:rPr lang="en-US" sz="4300" dirty="0" smtClean="0"/>
+              <a:t>4 </a:t>
+            </a:r>
+            <a:r>
+              <a:rPr lang="en-US" sz="4300" dirty="0" smtClean="0"/>
+              <a:t>– Case Studies</a:t>
+            </a:r>
+            <a:endParaRPr lang="en-US" sz="4300" dirty="0" smtClean="0"/>
+          </a:p>
+          <a:p>
+            <a:pPr lvl="1"/>
+            <a:r>
+              <a:rPr lang="en-US" sz="4300" dirty="0"/>
+              <a:t>Case study: Atomics and object lifetime</a:t>
+            </a:r>
+          </a:p>
+          <a:p>
+            <a:pPr lvl="1"/>
+            <a:r>
+              <a:rPr lang="en-US" sz="4300" dirty="0" smtClean="0"/>
+              <a:t>Case </a:t>
+            </a:r>
+            <a:r>
+              <a:rPr lang="en-US" sz="4300" dirty="0"/>
+              <a:t>study: Making a cache thread safe</a:t>
+            </a:r>
+          </a:p>
+          <a:p>
+            <a:pPr lvl="1"/>
+            <a:r>
+              <a:rPr lang="en-US" sz="4300" dirty="0" smtClean="0"/>
+              <a:t>Case </a:t>
+            </a:r>
+            <a:r>
+              <a:rPr lang="en-US" sz="4300" dirty="0"/>
+              <a:t>study: Synchronizing a thread </a:t>
+            </a:r>
+            <a:r>
+              <a:rPr lang="en-US" sz="4300" dirty="0" smtClean="0"/>
+              <a:t>pool</a:t>
+            </a:r>
+          </a:p>
+          <a:p>
+            <a:r>
+              <a:rPr lang="en-US" sz="4300" dirty="0" smtClean="0"/>
+              <a:t>Day </a:t>
+            </a:r>
+            <a:r>
+              <a:rPr lang="en-US" sz="4300" dirty="0"/>
+              <a:t>5 - Distributed memory parallel concurrency</a:t>
+            </a:r>
+          </a:p>
+          <a:p>
+            <a:pPr lvl="1"/>
+            <a:r>
+              <a:rPr lang="en-US" sz="4300" dirty="0"/>
+              <a:t>Introduction to MPI</a:t>
+            </a:r>
+          </a:p>
+          <a:p>
+            <a:pPr lvl="1"/>
+            <a:r>
+              <a:rPr lang="en-US" sz="4300" dirty="0"/>
+              <a:t>Hybrid </a:t>
+            </a:r>
+            <a:r>
+              <a:rPr lang="en-US" sz="4300" dirty="0" smtClean="0"/>
+              <a:t>concurrency</a:t>
+            </a:r>
+            <a:endParaRPr lang="en-US" sz="4300" dirty="0"/>
+          </a:p>
+          <a:p>
+            <a:endParaRPr lang="en-US" dirty="0"/>
+          </a:p>
+        </p:txBody>
+      </p:sp>
+      <p:sp>
+        <p:nvSpPr>
+          <p:cNvPr id="4" name="Slide Number Placeholder 3"/>
+          <p:cNvSpPr>
+            <a:spLocks noGrp="1"/>
+          </p:cNvSpPr>
+          <p:nvPr>
+            <p:ph type="sldNum" sz="quarter" idx="12"/>
+          </p:nvPr>
+        </p:nvSpPr>
+        <p:spPr/>
+        <p:txBody>
+          <a:bodyPr/>
+          <a:lstStyle/>
+          <a:p>
+            <a:fld id="{6DA12B36-9664-4CB0-8B2E-F4A2F44AE97E}" type="slidenum">
+              <a:rPr lang="en-US" smtClean="0"/>
+              <a:t>17</a:t>
             </a:fld>
             <a:endParaRPr lang="en-US"/>
           </a:p>
